--- a/app/프로젝트/PPT/과제_10주차.pptx
+++ b/app/프로젝트/PPT/과제_10주차.pptx
@@ -111,6 +111,11 @@
       </a:defRPr>
     </a:lvl9pPr>
   </p:defaultTextStyle>
+  <p:extLst>
+    <p:ext uri="{EFAFB233-063F-42B5-8137-9DF3F51BA10A}">
+      <p15:sldGuideLst xmlns:p15="http://schemas.microsoft.com/office/powerpoint/2012/main"/>
+    </p:ext>
+  </p:extLst>
 </p:presentation>
 </file>
 
@@ -261,7 +266,7 @@
           <a:p>
             <a:fld id="{8410AB32-22CA-4237-BA1B-E9F0DD5B51CC}" type="datetimeFigureOut">
               <a:rPr lang="ko-KR" altLang="en-US" smtClean="0"/>
-              <a:t>2025-05-08</a:t>
+              <a:t>2025-05-12</a:t>
             </a:fld>
             <a:endParaRPr lang="ko-KR" altLang="en-US"/>
           </a:p>
@@ -459,7 +464,7 @@
           <a:p>
             <a:fld id="{8410AB32-22CA-4237-BA1B-E9F0DD5B51CC}" type="datetimeFigureOut">
               <a:rPr lang="ko-KR" altLang="en-US" smtClean="0"/>
-              <a:t>2025-05-08</a:t>
+              <a:t>2025-05-12</a:t>
             </a:fld>
             <a:endParaRPr lang="ko-KR" altLang="en-US"/>
           </a:p>
@@ -667,7 +672,7 @@
           <a:p>
             <a:fld id="{8410AB32-22CA-4237-BA1B-E9F0DD5B51CC}" type="datetimeFigureOut">
               <a:rPr lang="ko-KR" altLang="en-US" smtClean="0"/>
-              <a:t>2025-05-08</a:t>
+              <a:t>2025-05-12</a:t>
             </a:fld>
             <a:endParaRPr lang="ko-KR" altLang="en-US"/>
           </a:p>
@@ -865,7 +870,7 @@
           <a:p>
             <a:fld id="{8410AB32-22CA-4237-BA1B-E9F0DD5B51CC}" type="datetimeFigureOut">
               <a:rPr lang="ko-KR" altLang="en-US" smtClean="0"/>
-              <a:t>2025-05-08</a:t>
+              <a:t>2025-05-12</a:t>
             </a:fld>
             <a:endParaRPr lang="ko-KR" altLang="en-US"/>
           </a:p>
@@ -1140,7 +1145,7 @@
           <a:p>
             <a:fld id="{8410AB32-22CA-4237-BA1B-E9F0DD5B51CC}" type="datetimeFigureOut">
               <a:rPr lang="ko-KR" altLang="en-US" smtClean="0"/>
-              <a:t>2025-05-08</a:t>
+              <a:t>2025-05-12</a:t>
             </a:fld>
             <a:endParaRPr lang="ko-KR" altLang="en-US"/>
           </a:p>
@@ -1405,7 +1410,7 @@
           <a:p>
             <a:fld id="{8410AB32-22CA-4237-BA1B-E9F0DD5B51CC}" type="datetimeFigureOut">
               <a:rPr lang="ko-KR" altLang="en-US" smtClean="0"/>
-              <a:t>2025-05-08</a:t>
+              <a:t>2025-05-12</a:t>
             </a:fld>
             <a:endParaRPr lang="ko-KR" altLang="en-US"/>
           </a:p>
@@ -1817,7 +1822,7 @@
           <a:p>
             <a:fld id="{8410AB32-22CA-4237-BA1B-E9F0DD5B51CC}" type="datetimeFigureOut">
               <a:rPr lang="ko-KR" altLang="en-US" smtClean="0"/>
-              <a:t>2025-05-08</a:t>
+              <a:t>2025-05-12</a:t>
             </a:fld>
             <a:endParaRPr lang="ko-KR" altLang="en-US"/>
           </a:p>
@@ -1958,7 +1963,7 @@
           <a:p>
             <a:fld id="{8410AB32-22CA-4237-BA1B-E9F0DD5B51CC}" type="datetimeFigureOut">
               <a:rPr lang="ko-KR" altLang="en-US" smtClean="0"/>
-              <a:t>2025-05-08</a:t>
+              <a:t>2025-05-12</a:t>
             </a:fld>
             <a:endParaRPr lang="ko-KR" altLang="en-US"/>
           </a:p>
@@ -2071,7 +2076,7 @@
           <a:p>
             <a:fld id="{8410AB32-22CA-4237-BA1B-E9F0DD5B51CC}" type="datetimeFigureOut">
               <a:rPr lang="ko-KR" altLang="en-US" smtClean="0"/>
-              <a:t>2025-05-08</a:t>
+              <a:t>2025-05-12</a:t>
             </a:fld>
             <a:endParaRPr lang="ko-KR" altLang="en-US"/>
           </a:p>
@@ -2382,7 +2387,7 @@
           <a:p>
             <a:fld id="{8410AB32-22CA-4237-BA1B-E9F0DD5B51CC}" type="datetimeFigureOut">
               <a:rPr lang="ko-KR" altLang="en-US" smtClean="0"/>
-              <a:t>2025-05-08</a:t>
+              <a:t>2025-05-12</a:t>
             </a:fld>
             <a:endParaRPr lang="ko-KR" altLang="en-US"/>
           </a:p>
@@ -2670,7 +2675,7 @@
           <a:p>
             <a:fld id="{8410AB32-22CA-4237-BA1B-E9F0DD5B51CC}" type="datetimeFigureOut">
               <a:rPr lang="ko-KR" altLang="en-US" smtClean="0"/>
-              <a:t>2025-05-08</a:t>
+              <a:t>2025-05-12</a:t>
             </a:fld>
             <a:endParaRPr lang="ko-KR" altLang="en-US"/>
           </a:p>
@@ -2911,7 +2916,7 @@
           <a:p>
             <a:fld id="{8410AB32-22CA-4237-BA1B-E9F0DD5B51CC}" type="datetimeFigureOut">
               <a:rPr lang="ko-KR" altLang="en-US" smtClean="0"/>
-              <a:t>2025-05-08</a:t>
+              <a:t>2025-05-12</a:t>
             </a:fld>
             <a:endParaRPr lang="ko-KR" altLang="en-US"/>
           </a:p>
@@ -12712,7 +12717,7 @@
         </p:nvSpPr>
         <p:spPr>
           <a:xfrm>
-            <a:off x="2869924" y="4127282"/>
+            <a:off x="1466980" y="4127282"/>
             <a:ext cx="1502334" cy="369332"/>
           </a:xfrm>
           <a:prstGeom prst="rect">
@@ -12762,7 +12767,7 @@
         </p:blipFill>
         <p:spPr bwMode="auto">
           <a:xfrm>
-            <a:off x="2936812" y="4673123"/>
+            <a:off x="1533868" y="4673123"/>
             <a:ext cx="1897019" cy="579986"/>
           </a:xfrm>
           <a:prstGeom prst="rect">
@@ -12809,7 +12814,7 @@
         </p:blipFill>
         <p:spPr bwMode="auto">
           <a:xfrm>
-            <a:off x="7575562" y="4496614"/>
+            <a:off x="9085499" y="4496614"/>
             <a:ext cx="1409286" cy="899027"/>
           </a:xfrm>
           <a:prstGeom prst="rect">
@@ -12841,7 +12846,7 @@
         </p:nvSpPr>
         <p:spPr>
           <a:xfrm>
-            <a:off x="7527942" y="4127282"/>
+            <a:off x="9037879" y="4127282"/>
             <a:ext cx="958917" cy="369332"/>
           </a:xfrm>
           <a:prstGeom prst="rect">
@@ -12859,6 +12864,93 @@
               <a:rPr lang="ko-KR" altLang="en-US" dirty="0"/>
               <a:t>● 배포</a:t>
             </a:r>
+          </a:p>
+        </p:txBody>
+      </p:sp>
+      <p:pic>
+        <p:nvPicPr>
+          <p:cNvPr id="2" name="Picture 2">
+            <a:extLst>
+              <a:ext uri="{FF2B5EF4-FFF2-40B4-BE49-F238E27FC236}">
+                <a16:creationId xmlns:a16="http://schemas.microsoft.com/office/drawing/2014/main" id="{ED67E9A0-EE5C-4FC5-AF1C-2BA73E37934A}"/>
+              </a:ext>
+            </a:extLst>
+          </p:cNvPr>
+          <p:cNvPicPr>
+            <a:picLocks noChangeAspect="1" noChangeArrowheads="1"/>
+          </p:cNvPicPr>
+          <p:nvPr/>
+        </p:nvPicPr>
+        <p:blipFill>
+          <a:blip r:embed="rId7">
+            <a:extLst>
+              <a:ext uri="{28A0092B-C50C-407E-A947-70E740481C1C}">
+                <a14:useLocalDpi xmlns:a14="http://schemas.microsoft.com/office/drawing/2010/main" val="0"/>
+              </a:ext>
+            </a:extLst>
+          </a:blip>
+          <a:srcRect/>
+          <a:stretch>
+            <a:fillRect/>
+          </a:stretch>
+        </p:blipFill>
+        <p:spPr bwMode="auto">
+          <a:xfrm>
+            <a:off x="4855032" y="4430968"/>
+            <a:ext cx="2806321" cy="964673"/>
+          </a:xfrm>
+          <a:prstGeom prst="rect">
+            <a:avLst/>
+          </a:prstGeom>
+          <a:noFill/>
+          <a:extLst>
+            <a:ext uri="{909E8E84-426E-40DD-AFC4-6F175D3DCCD1}">
+              <a14:hiddenFill xmlns:a14="http://schemas.microsoft.com/office/drawing/2010/main">
+                <a:solidFill>
+                  <a:srgbClr val="FFFFFF"/>
+                </a:solidFill>
+              </a14:hiddenFill>
+            </a:ext>
+          </a:extLst>
+        </p:spPr>
+      </p:pic>
+      <p:sp>
+        <p:nvSpPr>
+          <p:cNvPr id="15" name="TextBox 14">
+            <a:extLst>
+              <a:ext uri="{FF2B5EF4-FFF2-40B4-BE49-F238E27FC236}">
+                <a16:creationId xmlns:a16="http://schemas.microsoft.com/office/drawing/2014/main" id="{7CA58C80-AF7E-420F-841D-8AF0AA7BAAD5}"/>
+              </a:ext>
+            </a:extLst>
+          </p:cNvPr>
+          <p:cNvSpPr txBox="1"/>
+          <p:nvPr/>
+        </p:nvSpPr>
+        <p:spPr>
+          <a:xfrm>
+            <a:off x="5596356" y="4127282"/>
+            <a:ext cx="797013" cy="369332"/>
+          </a:xfrm>
+          <a:prstGeom prst="rect">
+            <a:avLst/>
+          </a:prstGeom>
+          <a:noFill/>
+        </p:spPr>
+        <p:txBody>
+          <a:bodyPr wrap="none" rtlCol="0">
+            <a:spAutoFit/>
+          </a:bodyPr>
+          <a:lstStyle/>
+          <a:p>
+            <a:r>
+              <a:rPr lang="ko-KR" altLang="en-US" dirty="0"/>
+              <a:t>● </a:t>
+            </a:r>
+            <a:r>
+              <a:rPr lang="en-US" altLang="ko-KR" dirty="0"/>
+              <a:t>DB</a:t>
+            </a:r>
+            <a:endParaRPr lang="ko-KR" altLang="en-US" dirty="0"/>
           </a:p>
         </p:txBody>
       </p:sp>
